--- a/admin/splachscreen/splash.pptx
+++ b/admin/splachscreen/splash.pptx
@@ -261,7 +261,7 @@
           <a:p>
             <a:fld id="{EF645327-BCEF-41E4-8EDB-7E1E655BB139}" type="datetimeFigureOut">
               <a:rPr lang="en-IE" smtClean="0"/>
-              <a:t>17/03/2020</a:t>
+              <a:t>25/03/2020</a:t>
             </a:fld>
             <a:endParaRPr lang="en-IE"/>
           </a:p>
@@ -461,7 +461,7 @@
           <a:p>
             <a:fld id="{EF645327-BCEF-41E4-8EDB-7E1E655BB139}" type="datetimeFigureOut">
               <a:rPr lang="en-IE" smtClean="0"/>
-              <a:t>17/03/2020</a:t>
+              <a:t>25/03/2020</a:t>
             </a:fld>
             <a:endParaRPr lang="en-IE"/>
           </a:p>
@@ -671,7 +671,7 @@
           <a:p>
             <a:fld id="{EF645327-BCEF-41E4-8EDB-7E1E655BB139}" type="datetimeFigureOut">
               <a:rPr lang="en-IE" smtClean="0"/>
-              <a:t>17/03/2020</a:t>
+              <a:t>25/03/2020</a:t>
             </a:fld>
             <a:endParaRPr lang="en-IE"/>
           </a:p>
@@ -871,7 +871,7 @@
           <a:p>
             <a:fld id="{EF645327-BCEF-41E4-8EDB-7E1E655BB139}" type="datetimeFigureOut">
               <a:rPr lang="en-IE" smtClean="0"/>
-              <a:t>17/03/2020</a:t>
+              <a:t>25/03/2020</a:t>
             </a:fld>
             <a:endParaRPr lang="en-IE"/>
           </a:p>
@@ -1147,7 +1147,7 @@
           <a:p>
             <a:fld id="{EF645327-BCEF-41E4-8EDB-7E1E655BB139}" type="datetimeFigureOut">
               <a:rPr lang="en-IE" smtClean="0"/>
-              <a:t>17/03/2020</a:t>
+              <a:t>25/03/2020</a:t>
             </a:fld>
             <a:endParaRPr lang="en-IE"/>
           </a:p>
@@ -1415,7 +1415,7 @@
           <a:p>
             <a:fld id="{EF645327-BCEF-41E4-8EDB-7E1E655BB139}" type="datetimeFigureOut">
               <a:rPr lang="en-IE" smtClean="0"/>
-              <a:t>17/03/2020</a:t>
+              <a:t>25/03/2020</a:t>
             </a:fld>
             <a:endParaRPr lang="en-IE"/>
           </a:p>
@@ -1830,7 +1830,7 @@
           <a:p>
             <a:fld id="{EF645327-BCEF-41E4-8EDB-7E1E655BB139}" type="datetimeFigureOut">
               <a:rPr lang="en-IE" smtClean="0"/>
-              <a:t>17/03/2020</a:t>
+              <a:t>25/03/2020</a:t>
             </a:fld>
             <a:endParaRPr lang="en-IE"/>
           </a:p>
@@ -1972,7 +1972,7 @@
           <a:p>
             <a:fld id="{EF645327-BCEF-41E4-8EDB-7E1E655BB139}" type="datetimeFigureOut">
               <a:rPr lang="en-IE" smtClean="0"/>
-              <a:t>17/03/2020</a:t>
+              <a:t>25/03/2020</a:t>
             </a:fld>
             <a:endParaRPr lang="en-IE"/>
           </a:p>
@@ -2085,7 +2085,7 @@
           <a:p>
             <a:fld id="{EF645327-BCEF-41E4-8EDB-7E1E655BB139}" type="datetimeFigureOut">
               <a:rPr lang="en-IE" smtClean="0"/>
-              <a:t>17/03/2020</a:t>
+              <a:t>25/03/2020</a:t>
             </a:fld>
             <a:endParaRPr lang="en-IE"/>
           </a:p>
@@ -2398,7 +2398,7 @@
           <a:p>
             <a:fld id="{EF645327-BCEF-41E4-8EDB-7E1E655BB139}" type="datetimeFigureOut">
               <a:rPr lang="en-IE" smtClean="0"/>
-              <a:t>17/03/2020</a:t>
+              <a:t>25/03/2020</a:t>
             </a:fld>
             <a:endParaRPr lang="en-IE"/>
           </a:p>
@@ -2687,7 +2687,7 @@
           <a:p>
             <a:fld id="{EF645327-BCEF-41E4-8EDB-7E1E655BB139}" type="datetimeFigureOut">
               <a:rPr lang="en-IE" smtClean="0"/>
-              <a:t>17/03/2020</a:t>
+              <a:t>25/03/2020</a:t>
             </a:fld>
             <a:endParaRPr lang="en-IE"/>
           </a:p>
@@ -2930,7 +2930,7 @@
           <a:p>
             <a:fld id="{EF645327-BCEF-41E4-8EDB-7E1E655BB139}" type="datetimeFigureOut">
               <a:rPr lang="en-IE" smtClean="0"/>
-              <a:t>17/03/2020</a:t>
+              <a:t>25/03/2020</a:t>
             </a:fld>
             <a:endParaRPr lang="en-IE"/>
           </a:p>
@@ -3400,7 +3400,7 @@
         </p:nvSpPr>
         <p:spPr>
           <a:xfrm>
-            <a:off x="3283293" y="1734048"/>
+            <a:off x="3048000" y="1734048"/>
             <a:ext cx="9144000" cy="488048"/>
           </a:xfrm>
         </p:spPr>
@@ -3412,7 +3412,7 @@
               <a:rPr lang="en-IE" dirty="0">
                 <a:latin typeface="+mj-lt"/>
               </a:rPr>
-              <a:t>MSc in Enterprise Software Development</a:t>
+              <a:t>MSc in Computing</a:t>
             </a:r>
           </a:p>
         </p:txBody>
